--- a/Group-Project-1.pptx
+++ b/Group-Project-1.pptx
@@ -17,6 +17,7 @@
     <p:sldId id="265" r:id="rId11"/>
     <p:sldId id="266" r:id="rId12"/>
     <p:sldId id="267" r:id="rId13"/>
+    <p:sldId id="268" r:id="rId14"/>
   </p:sldIdLst>
   <p:sldSz cx="12192000" cy="6858000"/>
   <p:notesSz cx="6858000" cy="9144000"/>
@@ -132,12 +133,287 @@
             <p14:sldId id="265"/>
             <p14:sldId id="266"/>
             <p14:sldId id="267"/>
+            <p14:sldId id="268"/>
           </p14:sldIdLst>
         </p14:section>
       </p14:sectionLst>
     </p:ext>
   </p:extLst>
 </p:presentation>
+</file>
+
+<file path=ppt/changesInfos/changesInfo1.xml><?xml version="1.0" encoding="utf-8"?>
+<pc:chgInfo xmlns:a="http://schemas.openxmlformats.org/drawingml/2006/main" xmlns:r="http://schemas.openxmlformats.org/officeDocument/2006/relationships" xmlns:ac="http://schemas.microsoft.com/office/drawing/2013/main/command" xmlns:pc="http://schemas.microsoft.com/office/powerpoint/2013/main/command">
+  <pc:docChgLst>
+    <pc:chgData name="Jesus Guerrero" userId="491912c3aa4fa2a1" providerId="LiveId" clId="{768EA364-A5D1-400D-9F32-56A2EEB862E3}"/>
+    <pc:docChg chg="undo custSel addSld modSld sldOrd modSection">
+      <pc:chgData name="Jesus Guerrero" userId="491912c3aa4fa2a1" providerId="LiveId" clId="{768EA364-A5D1-400D-9F32-56A2EEB862E3}" dt="2025-10-23T02:47:15.638" v="419" actId="1076"/>
+      <pc:docMkLst>
+        <pc:docMk/>
+      </pc:docMkLst>
+      <pc:sldChg chg="addSp delSp modSp mod">
+        <pc:chgData name="Jesus Guerrero" userId="491912c3aa4fa2a1" providerId="LiveId" clId="{768EA364-A5D1-400D-9F32-56A2EEB862E3}" dt="2025-10-23T02:47:15.638" v="419" actId="1076"/>
+        <pc:sldMkLst>
+          <pc:docMk/>
+          <pc:sldMk cId="2327106423" sldId="259"/>
+        </pc:sldMkLst>
+        <pc:spChg chg="mod">
+          <ac:chgData name="Jesus Guerrero" userId="491912c3aa4fa2a1" providerId="LiveId" clId="{768EA364-A5D1-400D-9F32-56A2EEB862E3}" dt="2025-10-23T02:42:10.136" v="393" actId="1076"/>
+          <ac:spMkLst>
+            <pc:docMk/>
+            <pc:sldMk cId="2327106423" sldId="259"/>
+            <ac:spMk id="2" creationId="{B0B92B6C-AE22-2C98-B103-A3D84D317632}"/>
+          </ac:spMkLst>
+        </pc:spChg>
+        <pc:spChg chg="add del mod">
+          <ac:chgData name="Jesus Guerrero" userId="491912c3aa4fa2a1" providerId="LiveId" clId="{768EA364-A5D1-400D-9F32-56A2EEB862E3}" dt="2025-10-23T02:45:56.938" v="408" actId="21"/>
+          <ac:spMkLst>
+            <pc:docMk/>
+            <pc:sldMk cId="2327106423" sldId="259"/>
+            <ac:spMk id="22" creationId="{2BF6AD40-CB9D-5C4D-2436-E69E0F1AD1C9}"/>
+          </ac:spMkLst>
+        </pc:spChg>
+        <pc:picChg chg="del">
+          <ac:chgData name="Jesus Guerrero" userId="491912c3aa4fa2a1" providerId="LiveId" clId="{768EA364-A5D1-400D-9F32-56A2EEB862E3}" dt="2025-10-23T02:34:41.218" v="336" actId="478"/>
+          <ac:picMkLst>
+            <pc:docMk/>
+            <pc:sldMk cId="2327106423" sldId="259"/>
+            <ac:picMk id="12" creationId="{6D518ED4-875D-1F09-FDD4-BD63B4AC7C03}"/>
+          </ac:picMkLst>
+        </pc:picChg>
+        <pc:picChg chg="del mod">
+          <ac:chgData name="Jesus Guerrero" userId="491912c3aa4fa2a1" providerId="LiveId" clId="{768EA364-A5D1-400D-9F32-56A2EEB862E3}" dt="2025-10-23T02:45:43.366" v="402" actId="478"/>
+          <ac:picMkLst>
+            <pc:docMk/>
+            <pc:sldMk cId="2327106423" sldId="259"/>
+            <ac:picMk id="14" creationId="{8FE36943-C999-C1DB-7160-318EA7E55971}"/>
+          </ac:picMkLst>
+        </pc:picChg>
+        <pc:picChg chg="del mod">
+          <ac:chgData name="Jesus Guerrero" userId="491912c3aa4fa2a1" providerId="LiveId" clId="{768EA364-A5D1-400D-9F32-56A2EEB862E3}" dt="2025-10-23T02:46:50.896" v="409" actId="478"/>
+          <ac:picMkLst>
+            <pc:docMk/>
+            <pc:sldMk cId="2327106423" sldId="259"/>
+            <ac:picMk id="16" creationId="{FDFC3BA0-C84A-28BA-FDCE-C37845F366ED}"/>
+          </ac:picMkLst>
+        </pc:picChg>
+        <pc:picChg chg="add del mod">
+          <ac:chgData name="Jesus Guerrero" userId="491912c3aa4fa2a1" providerId="LiveId" clId="{768EA364-A5D1-400D-9F32-56A2EEB862E3}" dt="2025-10-23T02:41:53.688" v="386" actId="478"/>
+          <ac:picMkLst>
+            <pc:docMk/>
+            <pc:sldMk cId="2327106423" sldId="259"/>
+            <ac:picMk id="18" creationId="{D636E060-FAE6-3375-0478-67FB6E5FF1A8}"/>
+          </ac:picMkLst>
+        </pc:picChg>
+        <pc:picChg chg="add mod">
+          <ac:chgData name="Jesus Guerrero" userId="491912c3aa4fa2a1" providerId="LiveId" clId="{768EA364-A5D1-400D-9F32-56A2EEB862E3}" dt="2025-10-23T02:42:13.244" v="394" actId="1076"/>
+          <ac:picMkLst>
+            <pc:docMk/>
+            <pc:sldMk cId="2327106423" sldId="259"/>
+            <ac:picMk id="20" creationId="{5A329773-FEFB-8A8D-4912-5F20EE4B3545}"/>
+          </ac:picMkLst>
+        </pc:picChg>
+        <pc:picChg chg="add mod">
+          <ac:chgData name="Jesus Guerrero" userId="491912c3aa4fa2a1" providerId="LiveId" clId="{768EA364-A5D1-400D-9F32-56A2EEB862E3}" dt="2025-10-23T02:47:13.810" v="418" actId="1076"/>
+          <ac:picMkLst>
+            <pc:docMk/>
+            <pc:sldMk cId="2327106423" sldId="259"/>
+            <ac:picMk id="24" creationId="{5F84FA14-93F1-7922-9BA0-D02DCD18CBA8}"/>
+          </ac:picMkLst>
+        </pc:picChg>
+        <pc:picChg chg="add mod">
+          <ac:chgData name="Jesus Guerrero" userId="491912c3aa4fa2a1" providerId="LiveId" clId="{768EA364-A5D1-400D-9F32-56A2EEB862E3}" dt="2025-10-23T02:47:15.638" v="419" actId="1076"/>
+          <ac:picMkLst>
+            <pc:docMk/>
+            <pc:sldMk cId="2327106423" sldId="259"/>
+            <ac:picMk id="26" creationId="{436B92AB-F02C-78B4-CD50-92B87F16B5D6}"/>
+          </ac:picMkLst>
+        </pc:picChg>
+      </pc:sldChg>
+      <pc:sldChg chg="addSp delSp modSp mod">
+        <pc:chgData name="Jesus Guerrero" userId="491912c3aa4fa2a1" providerId="LiveId" clId="{768EA364-A5D1-400D-9F32-56A2EEB862E3}" dt="2025-10-23T02:37:04.298" v="385" actId="1076"/>
+        <pc:sldMkLst>
+          <pc:docMk/>
+          <pc:sldMk cId="777690836" sldId="263"/>
+        </pc:sldMkLst>
+        <pc:spChg chg="add mod">
+          <ac:chgData name="Jesus Guerrero" userId="491912c3aa4fa2a1" providerId="LiveId" clId="{768EA364-A5D1-400D-9F32-56A2EEB862E3}" dt="2025-10-23T02:32:53.091" v="323" actId="478"/>
+          <ac:spMkLst>
+            <pc:docMk/>
+            <pc:sldMk cId="777690836" sldId="263"/>
+            <ac:spMk id="15" creationId="{DCDC2C26-F884-BB3A-2377-1FFDC09BCD4B}"/>
+          </ac:spMkLst>
+        </pc:spChg>
+        <pc:picChg chg="mod">
+          <ac:chgData name="Jesus Guerrero" userId="491912c3aa4fa2a1" providerId="LiveId" clId="{768EA364-A5D1-400D-9F32-56A2EEB862E3}" dt="2025-10-23T02:32:56.983" v="326" actId="1076"/>
+          <ac:picMkLst>
+            <pc:docMk/>
+            <pc:sldMk cId="777690836" sldId="263"/>
+            <ac:picMk id="9" creationId="{3D5407AA-5B43-60F8-B73D-9E37EAFF39BC}"/>
+          </ac:picMkLst>
+        </pc:picChg>
+        <pc:picChg chg="del">
+          <ac:chgData name="Jesus Guerrero" userId="491912c3aa4fa2a1" providerId="LiveId" clId="{768EA364-A5D1-400D-9F32-56A2EEB862E3}" dt="2025-10-23T02:32:53.091" v="323" actId="478"/>
+          <ac:picMkLst>
+            <pc:docMk/>
+            <pc:sldMk cId="777690836" sldId="263"/>
+            <ac:picMk id="11" creationId="{788B1F41-EAC2-B16A-7C18-51E931E8044C}"/>
+          </ac:picMkLst>
+        </pc:picChg>
+        <pc:picChg chg="mod">
+          <ac:chgData name="Jesus Guerrero" userId="491912c3aa4fa2a1" providerId="LiveId" clId="{768EA364-A5D1-400D-9F32-56A2EEB862E3}" dt="2025-10-23T02:33:20.984" v="334" actId="1076"/>
+          <ac:picMkLst>
+            <pc:docMk/>
+            <pc:sldMk cId="777690836" sldId="263"/>
+            <ac:picMk id="13" creationId="{4BE9E247-80E1-8979-3DED-1963252C1B60}"/>
+          </ac:picMkLst>
+        </pc:picChg>
+        <pc:picChg chg="add mod">
+          <ac:chgData name="Jesus Guerrero" userId="491912c3aa4fa2a1" providerId="LiveId" clId="{768EA364-A5D1-400D-9F32-56A2EEB862E3}" dt="2025-10-23T02:37:04.298" v="385" actId="1076"/>
+          <ac:picMkLst>
+            <pc:docMk/>
+            <pc:sldMk cId="777690836" sldId="263"/>
+            <ac:picMk id="17" creationId="{19503F9F-AA6C-9C3E-57E4-3B40CD217C8A}"/>
+          </ac:picMkLst>
+        </pc:picChg>
+      </pc:sldChg>
+      <pc:sldChg chg="addSp delSp modSp mod">
+        <pc:chgData name="Jesus Guerrero" userId="491912c3aa4fa2a1" providerId="LiveId" clId="{768EA364-A5D1-400D-9F32-56A2EEB862E3}" dt="2025-10-23T02:42:53.451" v="401" actId="1076"/>
+        <pc:sldMkLst>
+          <pc:docMk/>
+          <pc:sldMk cId="135358218" sldId="266"/>
+        </pc:sldMkLst>
+        <pc:spChg chg="del">
+          <ac:chgData name="Jesus Guerrero" userId="491912c3aa4fa2a1" providerId="LiveId" clId="{768EA364-A5D1-400D-9F32-56A2EEB862E3}" dt="2025-10-23T02:42:46.916" v="397" actId="22"/>
+          <ac:spMkLst>
+            <pc:docMk/>
+            <pc:sldMk cId="135358218" sldId="266"/>
+            <ac:spMk id="6" creationId="{61445ED8-DB4A-E267-2A1B-097CC889598B}"/>
+          </ac:spMkLst>
+        </pc:spChg>
+        <pc:picChg chg="add mod ord">
+          <ac:chgData name="Jesus Guerrero" userId="491912c3aa4fa2a1" providerId="LiveId" clId="{768EA364-A5D1-400D-9F32-56A2EEB862E3}" dt="2025-10-23T02:42:53.451" v="401" actId="1076"/>
+          <ac:picMkLst>
+            <pc:docMk/>
+            <pc:sldMk cId="135358218" sldId="266"/>
+            <ac:picMk id="8" creationId="{3B1F3E5D-731B-1EB4-C693-24B7DD73B4A3}"/>
+          </ac:picMkLst>
+        </pc:picChg>
+      </pc:sldChg>
+      <pc:sldChg chg="addSp delSp modSp new mod ord modClrScheme chgLayout">
+        <pc:chgData name="Jesus Guerrero" userId="491912c3aa4fa2a1" providerId="LiveId" clId="{768EA364-A5D1-400D-9F32-56A2EEB862E3}" dt="2025-10-23T02:30:08.459" v="322"/>
+        <pc:sldMkLst>
+          <pc:docMk/>
+          <pc:sldMk cId="3285059390" sldId="268"/>
+        </pc:sldMkLst>
+        <pc:spChg chg="del mod ord">
+          <ac:chgData name="Jesus Guerrero" userId="491912c3aa4fa2a1" providerId="LiveId" clId="{768EA364-A5D1-400D-9F32-56A2EEB862E3}" dt="2025-10-23T02:25:30.001" v="22" actId="700"/>
+          <ac:spMkLst>
+            <pc:docMk/>
+            <pc:sldMk cId="3285059390" sldId="268"/>
+            <ac:spMk id="2" creationId="{E1653AC7-586A-85FC-CF01-FF09ADAAAAC3}"/>
+          </ac:spMkLst>
+        </pc:spChg>
+        <pc:spChg chg="add del mod ord">
+          <ac:chgData name="Jesus Guerrero" userId="491912c3aa4fa2a1" providerId="LiveId" clId="{768EA364-A5D1-400D-9F32-56A2EEB862E3}" dt="2025-10-23T02:25:30.001" v="22" actId="700"/>
+          <ac:spMkLst>
+            <pc:docMk/>
+            <pc:sldMk cId="3285059390" sldId="268"/>
+            <ac:spMk id="3" creationId="{342BF40B-A3CE-3D46-B446-7B7148E8AE58}"/>
+          </ac:spMkLst>
+        </pc:spChg>
+        <pc:spChg chg="del mod ord">
+          <ac:chgData name="Jesus Guerrero" userId="491912c3aa4fa2a1" providerId="LiveId" clId="{768EA364-A5D1-400D-9F32-56A2EEB862E3}" dt="2025-10-23T02:25:30.001" v="22" actId="700"/>
+          <ac:spMkLst>
+            <pc:docMk/>
+            <pc:sldMk cId="3285059390" sldId="268"/>
+            <ac:spMk id="4" creationId="{19BA6E76-1BBD-E907-80FD-3BFA9CB80575}"/>
+          </ac:spMkLst>
+        </pc:spChg>
+        <pc:spChg chg="add mod ord">
+          <ac:chgData name="Jesus Guerrero" userId="491912c3aa4fa2a1" providerId="LiveId" clId="{768EA364-A5D1-400D-9F32-56A2EEB862E3}" dt="2025-10-23T02:29:46.070" v="320" actId="1076"/>
+          <ac:spMkLst>
+            <pc:docMk/>
+            <pc:sldMk cId="3285059390" sldId="268"/>
+            <ac:spMk id="11" creationId="{3EAA5D81-018B-65EB-4E91-8D4E05B6120B}"/>
+          </ac:spMkLst>
+        </pc:spChg>
+        <pc:spChg chg="add mod ord">
+          <ac:chgData name="Jesus Guerrero" userId="491912c3aa4fa2a1" providerId="LiveId" clId="{768EA364-A5D1-400D-9F32-56A2EEB862E3}" dt="2025-10-23T02:29:25.408" v="315" actId="1076"/>
+          <ac:spMkLst>
+            <pc:docMk/>
+            <pc:sldMk cId="3285059390" sldId="268"/>
+            <ac:spMk id="12" creationId="{3D7A2EC7-01F8-5425-83AB-2D534EC08386}"/>
+          </ac:spMkLst>
+        </pc:spChg>
+        <pc:spChg chg="add del mod ord">
+          <ac:chgData name="Jesus Guerrero" userId="491912c3aa4fa2a1" providerId="LiveId" clId="{768EA364-A5D1-400D-9F32-56A2EEB862E3}" dt="2025-10-23T02:29:16.188" v="312" actId="14100"/>
+          <ac:spMkLst>
+            <pc:docMk/>
+            <pc:sldMk cId="3285059390" sldId="268"/>
+            <ac:spMk id="13" creationId="{C02D5577-9207-C2C1-B89E-3A9FB098559E}"/>
+          </ac:spMkLst>
+        </pc:spChg>
+        <pc:spChg chg="add mod ord">
+          <ac:chgData name="Jesus Guerrero" userId="491912c3aa4fa2a1" providerId="LiveId" clId="{768EA364-A5D1-400D-9F32-56A2EEB862E3}" dt="2025-10-23T02:29:22.332" v="314" actId="1076"/>
+          <ac:spMkLst>
+            <pc:docMk/>
+            <pc:sldMk cId="3285059390" sldId="268"/>
+            <ac:spMk id="14" creationId="{51A0B49D-34C4-7077-6CAA-40EAA8208FFA}"/>
+          </ac:spMkLst>
+        </pc:spChg>
+        <pc:spChg chg="add mod ord">
+          <ac:chgData name="Jesus Guerrero" userId="491912c3aa4fa2a1" providerId="LiveId" clId="{768EA364-A5D1-400D-9F32-56A2EEB862E3}" dt="2025-10-23T02:29:18.735" v="313" actId="14100"/>
+          <ac:spMkLst>
+            <pc:docMk/>
+            <pc:sldMk cId="3285059390" sldId="268"/>
+            <ac:spMk id="15" creationId="{59E76108-290C-A901-4AA3-1B316F857869}"/>
+          </ac:spMkLst>
+        </pc:spChg>
+        <pc:picChg chg="add del mod ord">
+          <ac:chgData name="Jesus Guerrero" userId="491912c3aa4fa2a1" providerId="LiveId" clId="{768EA364-A5D1-400D-9F32-56A2EEB862E3}" dt="2025-10-23T02:24:35.170" v="2" actId="22"/>
+          <ac:picMkLst>
+            <pc:docMk/>
+            <pc:sldMk cId="3285059390" sldId="268"/>
+            <ac:picMk id="6" creationId="{89179558-9E96-E667-84F8-155FA53CD644}"/>
+          </ac:picMkLst>
+        </pc:picChg>
+        <pc:picChg chg="add del">
+          <ac:chgData name="Jesus Guerrero" userId="491912c3aa4fa2a1" providerId="LiveId" clId="{768EA364-A5D1-400D-9F32-56A2EEB862E3}" dt="2025-10-23T02:24:40.570" v="4" actId="22"/>
+          <ac:picMkLst>
+            <pc:docMk/>
+            <pc:sldMk cId="3285059390" sldId="268"/>
+            <ac:picMk id="8" creationId="{1DC993A8-AF48-AE44-CF9F-CBD7333D71D0}"/>
+          </ac:picMkLst>
+        </pc:picChg>
+        <pc:picChg chg="add del mod">
+          <ac:chgData name="Jesus Guerrero" userId="491912c3aa4fa2a1" providerId="LiveId" clId="{768EA364-A5D1-400D-9F32-56A2EEB862E3}" dt="2025-10-23T02:25:22.671" v="21" actId="22"/>
+          <ac:picMkLst>
+            <pc:docMk/>
+            <pc:sldMk cId="3285059390" sldId="268"/>
+            <ac:picMk id="10" creationId="{784BC0BD-198D-745B-8B99-FD580C484944}"/>
+          </ac:picMkLst>
+        </pc:picChg>
+        <pc:picChg chg="add mod">
+          <ac:chgData name="Jesus Guerrero" userId="491912c3aa4fa2a1" providerId="LiveId" clId="{768EA364-A5D1-400D-9F32-56A2EEB862E3}" dt="2025-10-23T02:29:41.536" v="319" actId="1076"/>
+          <ac:picMkLst>
+            <pc:docMk/>
+            <pc:sldMk cId="3285059390" sldId="268"/>
+            <ac:picMk id="17" creationId="{928F954C-AE3B-B5F8-7999-D95E9FC9F9E6}"/>
+          </ac:picMkLst>
+        </pc:picChg>
+        <pc:picChg chg="add del mod ord">
+          <ac:chgData name="Jesus Guerrero" userId="491912c3aa4fa2a1" providerId="LiveId" clId="{768EA364-A5D1-400D-9F32-56A2EEB862E3}" dt="2025-10-23T02:25:58.488" v="49" actId="34307"/>
+          <ac:picMkLst>
+            <pc:docMk/>
+            <pc:sldMk cId="3285059390" sldId="268"/>
+            <ac:picMk id="18" creationId="{46FA0FFA-8347-D0D6-93B2-C1CCFC7EF789}"/>
+          </ac:picMkLst>
+        </pc:picChg>
+      </pc:sldChg>
+    </pc:docChg>
+  </pc:docChgLst>
+</pc:chgInfo>
 </file>
 
 <file path=ppt/slideLayouts/slideLayout1.xml><?xml version="1.0" encoding="utf-8"?>
@@ -4360,31 +4636,38 @@
           </a:p>
         </p:txBody>
       </p:sp>
-      <p:sp>
-        <p:nvSpPr>
-          <p:cNvPr id="6" name="Content Placeholder 5">
-            <a:extLst>
-              <a:ext uri="{FF2B5EF4-FFF2-40B4-BE49-F238E27FC236}">
-                <a16:creationId xmlns:a16="http://schemas.microsoft.com/office/drawing/2014/main" id="{61445ED8-DB4A-E267-2A1B-097CC889598B}"/>
-              </a:ext>
-            </a:extLst>
-          </p:cNvPr>
-          <p:cNvSpPr>
-            <a:spLocks noGrp="1"/>
-          </p:cNvSpPr>
+      <p:pic>
+        <p:nvPicPr>
+          <p:cNvPr id="8" name="Content Placeholder 7">
+            <a:extLst>
+              <a:ext uri="{FF2B5EF4-FFF2-40B4-BE49-F238E27FC236}">
+                <a16:creationId xmlns:a16="http://schemas.microsoft.com/office/drawing/2014/main" id="{3B1F3E5D-731B-1EB4-C693-24B7DD73B4A3}"/>
+              </a:ext>
+            </a:extLst>
+          </p:cNvPr>
+          <p:cNvPicPr>
+            <a:picLocks noGrp="1" noChangeAspect="1"/>
+          </p:cNvPicPr>
           <p:nvPr>
             <p:ph idx="1"/>
           </p:nvPr>
-        </p:nvSpPr>
-        <p:spPr/>
-        <p:txBody>
-          <a:bodyPr/>
-          <a:lstStyle/>
-          <a:p>
-            <a:endParaRPr lang="en-US" dirty="0"/>
-          </a:p>
-        </p:txBody>
-      </p:sp>
+        </p:nvPicPr>
+        <p:blipFill>
+          <a:blip r:embed="rId2"/>
+          <a:stretch>
+            <a:fillRect/>
+          </a:stretch>
+        </p:blipFill>
+        <p:spPr>
+          <a:xfrm>
+            <a:off x="1158865" y="1709928"/>
+            <a:ext cx="9874269" cy="4679724"/>
+          </a:xfrm>
+          <a:prstGeom prst="rect">
+            <a:avLst/>
+          </a:prstGeom>
+        </p:spPr>
+      </p:pic>
     </p:spTree>
     <p:extLst>
       <p:ext uri="{BB962C8B-B14F-4D97-AF65-F5344CB8AC3E}">
@@ -4448,6 +4731,258 @@
     <p:extLst>
       <p:ext uri="{BB962C8B-B14F-4D97-AF65-F5344CB8AC3E}">
         <p14:creationId xmlns:p14="http://schemas.microsoft.com/office/powerpoint/2010/main" val="2023840015"/>
+      </p:ext>
+    </p:extLst>
+  </p:cSld>
+  <p:clrMapOvr>
+    <a:masterClrMapping/>
+  </p:clrMapOvr>
+</p:sld>
+</file>
+
+<file path=ppt/slides/slide13.xml><?xml version="1.0" encoding="utf-8"?>
+<p:sld xmlns:a="http://schemas.openxmlformats.org/drawingml/2006/main" xmlns:r="http://schemas.openxmlformats.org/officeDocument/2006/relationships" xmlns:p="http://schemas.openxmlformats.org/presentationml/2006/main">
+  <p:cSld>
+    <p:spTree>
+      <p:nvGrpSpPr>
+        <p:cNvPr id="1" name=""/>
+        <p:cNvGrpSpPr/>
+        <p:nvPr/>
+      </p:nvGrpSpPr>
+      <p:grpSpPr>
+        <a:xfrm>
+          <a:off x="0" y="0"/>
+          <a:ext cx="0" cy="0"/>
+          <a:chOff x="0" y="0"/>
+          <a:chExt cx="0" cy="0"/>
+        </a:xfrm>
+      </p:grpSpPr>
+      <p:sp>
+        <p:nvSpPr>
+          <p:cNvPr id="11" name="Title 10">
+            <a:extLst>
+              <a:ext uri="{FF2B5EF4-FFF2-40B4-BE49-F238E27FC236}">
+                <a16:creationId xmlns:a16="http://schemas.microsoft.com/office/drawing/2014/main" id="{3EAA5D81-018B-65EB-4E91-8D4E05B6120B}"/>
+              </a:ext>
+            </a:extLst>
+          </p:cNvPr>
+          <p:cNvSpPr>
+            <a:spLocks noGrp="1"/>
+          </p:cNvSpPr>
+          <p:nvPr>
+            <p:ph type="title"/>
+          </p:nvPr>
+        </p:nvSpPr>
+        <p:spPr>
+          <a:xfrm>
+            <a:off x="521208" y="1038293"/>
+            <a:ext cx="3219519" cy="1151728"/>
+          </a:xfrm>
+        </p:spPr>
+        <p:txBody>
+          <a:bodyPr/>
+          <a:lstStyle/>
+          <a:p>
+            <a:r>
+              <a:rPr lang="en-US" dirty="0"/>
+              <a:t>Jira</a:t>
+            </a:r>
+          </a:p>
+        </p:txBody>
+      </p:sp>
+      <p:sp>
+        <p:nvSpPr>
+          <p:cNvPr id="12" name="Text Placeholder 11">
+            <a:extLst>
+              <a:ext uri="{FF2B5EF4-FFF2-40B4-BE49-F238E27FC236}">
+                <a16:creationId xmlns:a16="http://schemas.microsoft.com/office/drawing/2014/main" id="{3D7A2EC7-01F8-5425-83AB-2D534EC08386}"/>
+              </a:ext>
+            </a:extLst>
+          </p:cNvPr>
+          <p:cNvSpPr>
+            <a:spLocks noGrp="1"/>
+          </p:cNvSpPr>
+          <p:nvPr>
+            <p:ph type="body" idx="1"/>
+          </p:nvPr>
+        </p:nvSpPr>
+        <p:spPr>
+          <a:xfrm>
+            <a:off x="505968" y="4277314"/>
+            <a:ext cx="5166360" cy="658368"/>
+          </a:xfrm>
+        </p:spPr>
+        <p:txBody>
+          <a:bodyPr/>
+          <a:lstStyle/>
+          <a:p>
+            <a:r>
+              <a:rPr lang="en-US" dirty="0"/>
+              <a:t>Pros</a:t>
+            </a:r>
+          </a:p>
+        </p:txBody>
+      </p:sp>
+      <p:sp>
+        <p:nvSpPr>
+          <p:cNvPr id="13" name="Content Placeholder 12">
+            <a:extLst>
+              <a:ext uri="{FF2B5EF4-FFF2-40B4-BE49-F238E27FC236}">
+                <a16:creationId xmlns:a16="http://schemas.microsoft.com/office/drawing/2014/main" id="{C02D5577-9207-C2C1-B89E-3A9FB098559E}"/>
+              </a:ext>
+            </a:extLst>
+          </p:cNvPr>
+          <p:cNvSpPr>
+            <a:spLocks noGrp="1"/>
+          </p:cNvSpPr>
+          <p:nvPr>
+            <p:ph sz="half" idx="2"/>
+          </p:nvPr>
+        </p:nvSpPr>
+        <p:spPr>
+          <a:xfrm>
+            <a:off x="521208" y="5091545"/>
+            <a:ext cx="5166360" cy="1254390"/>
+          </a:xfrm>
+        </p:spPr>
+        <p:txBody>
+          <a:bodyPr/>
+          <a:lstStyle/>
+          <a:p>
+            <a:r>
+              <a:rPr lang="en-US" dirty="0"/>
+              <a:t>Visible Progress</a:t>
+            </a:r>
+          </a:p>
+          <a:p>
+            <a:r>
+              <a:rPr lang="en-US" dirty="0"/>
+              <a:t>Easily Categorized</a:t>
+            </a:r>
+          </a:p>
+          <a:p>
+            <a:r>
+              <a:rPr lang="en-US" dirty="0"/>
+              <a:t>Adaptability</a:t>
+            </a:r>
+          </a:p>
+        </p:txBody>
+      </p:sp>
+      <p:sp>
+        <p:nvSpPr>
+          <p:cNvPr id="14" name="Text Placeholder 13">
+            <a:extLst>
+              <a:ext uri="{FF2B5EF4-FFF2-40B4-BE49-F238E27FC236}">
+                <a16:creationId xmlns:a16="http://schemas.microsoft.com/office/drawing/2014/main" id="{51A0B49D-34C4-7077-6CAA-40EAA8208FFA}"/>
+              </a:ext>
+            </a:extLst>
+          </p:cNvPr>
+          <p:cNvSpPr>
+            <a:spLocks noGrp="1"/>
+          </p:cNvSpPr>
+          <p:nvPr>
+            <p:ph type="body" sz="quarter" idx="3"/>
+          </p:nvPr>
+        </p:nvSpPr>
+        <p:spPr>
+          <a:xfrm>
+            <a:off x="6519672" y="4277314"/>
+            <a:ext cx="5166360" cy="658368"/>
+          </a:xfrm>
+        </p:spPr>
+        <p:txBody>
+          <a:bodyPr/>
+          <a:lstStyle/>
+          <a:p>
+            <a:r>
+              <a:rPr lang="en-US" dirty="0"/>
+              <a:t>Cons</a:t>
+            </a:r>
+          </a:p>
+        </p:txBody>
+      </p:sp>
+      <p:sp>
+        <p:nvSpPr>
+          <p:cNvPr id="15" name="Content Placeholder 14">
+            <a:extLst>
+              <a:ext uri="{FF2B5EF4-FFF2-40B4-BE49-F238E27FC236}">
+                <a16:creationId xmlns:a16="http://schemas.microsoft.com/office/drawing/2014/main" id="{59E76108-290C-A901-4AA3-1B316F857869}"/>
+              </a:ext>
+            </a:extLst>
+          </p:cNvPr>
+          <p:cNvSpPr>
+            <a:spLocks noGrp="1"/>
+          </p:cNvSpPr>
+          <p:nvPr>
+            <p:ph sz="quarter" idx="4"/>
+          </p:nvPr>
+        </p:nvSpPr>
+        <p:spPr>
+          <a:xfrm>
+            <a:off x="6519672" y="5091545"/>
+            <a:ext cx="5166360" cy="1254390"/>
+          </a:xfrm>
+        </p:spPr>
+        <p:txBody>
+          <a:bodyPr/>
+          <a:lstStyle/>
+          <a:p>
+            <a:r>
+              <a:rPr lang="en-US" dirty="0"/>
+              <a:t>Learning Curve</a:t>
+            </a:r>
+          </a:p>
+          <a:p>
+            <a:r>
+              <a:rPr lang="en-US" dirty="0"/>
+              <a:t>Difficulty Integrating with GitHub</a:t>
+            </a:r>
+          </a:p>
+          <a:p>
+            <a:r>
+              <a:rPr lang="en-US" dirty="0"/>
+              <a:t>Not useful for frequent communication</a:t>
+            </a:r>
+          </a:p>
+          <a:p>
+            <a:endParaRPr lang="en-US" dirty="0"/>
+          </a:p>
+        </p:txBody>
+      </p:sp>
+      <p:pic>
+        <p:nvPicPr>
+          <p:cNvPr id="17" name="Picture 16">
+            <a:extLst>
+              <a:ext uri="{FF2B5EF4-FFF2-40B4-BE49-F238E27FC236}">
+                <a16:creationId xmlns:a16="http://schemas.microsoft.com/office/drawing/2014/main" id="{928F954C-AE3B-B5F8-7999-D95E9FC9F9E6}"/>
+              </a:ext>
+            </a:extLst>
+          </p:cNvPr>
+          <p:cNvPicPr>
+            <a:picLocks noChangeAspect="1"/>
+          </p:cNvPicPr>
+          <p:nvPr/>
+        </p:nvPicPr>
+        <p:blipFill>
+          <a:blip r:embed="rId2"/>
+          <a:stretch>
+            <a:fillRect/>
+          </a:stretch>
+        </p:blipFill>
+        <p:spPr>
+          <a:xfrm>
+            <a:off x="4208292" y="1038293"/>
+            <a:ext cx="7477740" cy="3239021"/>
+          </a:xfrm>
+          <a:prstGeom prst="rect">
+            <a:avLst/>
+          </a:prstGeom>
+        </p:spPr>
+      </p:pic>
+    </p:spTree>
+    <p:extLst>
+      <p:ext uri="{BB962C8B-B14F-4D97-AF65-F5344CB8AC3E}">
+        <p14:creationId xmlns:p14="http://schemas.microsoft.com/office/powerpoint/2010/main" val="3285059390"/>
       </p:ext>
     </p:extLst>
   </p:cSld>
@@ -5249,7 +5784,12 @@
             <p:ph type="title"/>
           </p:nvPr>
         </p:nvSpPr>
-        <p:spPr/>
+        <p:spPr>
+          <a:xfrm>
+            <a:off x="615260" y="662145"/>
+            <a:ext cx="3854849" cy="850392"/>
+          </a:xfrm>
+        </p:spPr>
         <p:txBody>
           <a:bodyPr/>
           <a:lstStyle/>
@@ -5263,29 +5803,28 @@
       </p:sp>
       <p:pic>
         <p:nvPicPr>
-          <p:cNvPr id="14" name="Picture Placeholder 13">
-            <a:extLst>
-              <a:ext uri="{FF2B5EF4-FFF2-40B4-BE49-F238E27FC236}">
-                <a16:creationId xmlns:a16="http://schemas.microsoft.com/office/drawing/2014/main" id="{8FE36943-C999-C1DB-7160-318EA7E55971}"/>
+          <p:cNvPr id="20" name="Picture 19">
+            <a:extLst>
+              <a:ext uri="{FF2B5EF4-FFF2-40B4-BE49-F238E27FC236}">
+                <a16:creationId xmlns:a16="http://schemas.microsoft.com/office/drawing/2014/main" id="{5A329773-FEFB-8A8D-4912-5F20EE4B3545}"/>
               </a:ext>
             </a:extLst>
           </p:cNvPr>
           <p:cNvPicPr>
-            <a:picLocks noGrp="1" noChangeAspect="1"/>
+            <a:picLocks noChangeAspect="1"/>
           </p:cNvPicPr>
-          <p:nvPr>
-            <p:ph type="pic" idx="1"/>
-          </p:nvPr>
+          <p:nvPr/>
         </p:nvPicPr>
         <p:blipFill>
           <a:blip r:embed="rId2"/>
-          <a:srcRect l="1120" r="1120"/>
-          <a:stretch/>
+          <a:stretch>
+            <a:fillRect/>
+          </a:stretch>
         </p:blipFill>
         <p:spPr>
           <a:xfrm>
-            <a:off x="4326092" y="1472655"/>
-            <a:ext cx="4224311" cy="4740551"/>
+            <a:off x="5090595" y="794656"/>
+            <a:ext cx="6585463" cy="1166655"/>
           </a:xfrm>
           <a:prstGeom prst="rect">
             <a:avLst/>
@@ -5294,10 +5833,10 @@
       </p:pic>
       <p:pic>
         <p:nvPicPr>
-          <p:cNvPr id="12" name="Picture 11">
-            <a:extLst>
-              <a:ext uri="{FF2B5EF4-FFF2-40B4-BE49-F238E27FC236}">
-                <a16:creationId xmlns:a16="http://schemas.microsoft.com/office/drawing/2014/main" id="{6D518ED4-875D-1F09-FDD4-BD63B4AC7C03}"/>
+          <p:cNvPr id="24" name="Picture 23">
+            <a:extLst>
+              <a:ext uri="{FF2B5EF4-FFF2-40B4-BE49-F238E27FC236}">
+                <a16:creationId xmlns:a16="http://schemas.microsoft.com/office/drawing/2014/main" id="{5F84FA14-93F1-7922-9BA0-D02DCD18CBA8}"/>
               </a:ext>
             </a:extLst>
           </p:cNvPr>
@@ -5314,8 +5853,8 @@
         </p:blipFill>
         <p:spPr>
           <a:xfrm>
-            <a:off x="341981" y="3932391"/>
-            <a:ext cx="3760586" cy="1452954"/>
+            <a:off x="6212304" y="2069660"/>
+            <a:ext cx="4342043" cy="4592890"/>
           </a:xfrm>
           <a:prstGeom prst="rect">
             <a:avLst/>
@@ -5324,10 +5863,10 @@
       </p:pic>
       <p:pic>
         <p:nvPicPr>
-          <p:cNvPr id="16" name="Picture 15">
-            <a:extLst>
-              <a:ext uri="{FF2B5EF4-FFF2-40B4-BE49-F238E27FC236}">
-                <a16:creationId xmlns:a16="http://schemas.microsoft.com/office/drawing/2014/main" id="{FDFC3BA0-C84A-28BA-FDCE-C37845F366ED}"/>
+          <p:cNvPr id="26" name="Picture 25">
+            <a:extLst>
+              <a:ext uri="{FF2B5EF4-FFF2-40B4-BE49-F238E27FC236}">
+                <a16:creationId xmlns:a16="http://schemas.microsoft.com/office/drawing/2014/main" id="{436B92AB-F02C-78B4-CD50-92B87F16B5D6}"/>
               </a:ext>
             </a:extLst>
           </p:cNvPr>
@@ -5344,8 +5883,8 @@
         </p:blipFill>
         <p:spPr>
           <a:xfrm>
-            <a:off x="8773929" y="1432956"/>
-            <a:ext cx="2985460" cy="4740550"/>
+            <a:off x="724118" y="2069660"/>
+            <a:ext cx="2983261" cy="4592890"/>
           </a:xfrm>
           <a:prstGeom prst="rect">
             <a:avLst/>
@@ -5558,37 +6097,6 @@
           </a:p>
         </p:txBody>
       </p:sp>
-      <p:pic>
-        <p:nvPicPr>
-          <p:cNvPr id="11" name="Picture Placeholder 10">
-            <a:extLst>
-              <a:ext uri="{FF2B5EF4-FFF2-40B4-BE49-F238E27FC236}">
-                <a16:creationId xmlns:a16="http://schemas.microsoft.com/office/drawing/2014/main" id="{788B1F41-EAC2-B16A-7C18-51E931E8044C}"/>
-              </a:ext>
-            </a:extLst>
-          </p:cNvPr>
-          <p:cNvPicPr>
-            <a:picLocks noGrp="1" noChangeAspect="1"/>
-          </p:cNvPicPr>
-          <p:nvPr>
-            <p:ph type="pic" idx="1"/>
-          </p:nvPr>
-        </p:nvPicPr>
-        <p:blipFill>
-          <a:blip r:embed="rId2"/>
-          <a:srcRect l="1384" r="1384"/>
-          <a:stretch/>
-        </p:blipFill>
-        <p:spPr>
-          <a:xfrm>
-            <a:off x="8015352" y="1557047"/>
-            <a:ext cx="3557469" cy="4537255"/>
-          </a:xfrm>
-          <a:prstGeom prst="rect">
-            <a:avLst/>
-          </a:prstGeom>
-        </p:spPr>
-      </p:pic>
       <p:sp>
         <p:nvSpPr>
           <p:cNvPr id="4" name="Text Placeholder 3">
@@ -5629,7 +6137,7 @@
           <p:nvPr/>
         </p:nvPicPr>
         <p:blipFill>
-          <a:blip r:embed="rId3"/>
+          <a:blip r:embed="rId2"/>
           <a:stretch>
             <a:fillRect/>
           </a:stretch>
@@ -5659,6 +6167,61 @@
           <p:nvPr/>
         </p:nvPicPr>
         <p:blipFill>
+          <a:blip r:embed="rId3"/>
+          <a:stretch>
+            <a:fillRect/>
+          </a:stretch>
+        </p:blipFill>
+        <p:spPr>
+          <a:xfrm>
+            <a:off x="5672329" y="978408"/>
+            <a:ext cx="1991549" cy="2349477"/>
+          </a:xfrm>
+          <a:prstGeom prst="rect">
+            <a:avLst/>
+          </a:prstGeom>
+        </p:spPr>
+      </p:pic>
+      <p:sp>
+        <p:nvSpPr>
+          <p:cNvPr id="15" name="Picture Placeholder 14">
+            <a:extLst>
+              <a:ext uri="{FF2B5EF4-FFF2-40B4-BE49-F238E27FC236}">
+                <a16:creationId xmlns:a16="http://schemas.microsoft.com/office/drawing/2014/main" id="{DCDC2C26-F884-BB3A-2377-1FFDC09BCD4B}"/>
+              </a:ext>
+            </a:extLst>
+          </p:cNvPr>
+          <p:cNvSpPr>
+            <a:spLocks noGrp="1"/>
+          </p:cNvSpPr>
+          <p:nvPr>
+            <p:ph type="pic" idx="1"/>
+          </p:nvPr>
+        </p:nvSpPr>
+        <p:spPr/>
+        <p:txBody>
+          <a:bodyPr/>
+          <a:lstStyle/>
+          <a:p>
+            <a:endParaRPr lang="en-US"/>
+          </a:p>
+        </p:txBody>
+      </p:sp>
+      <p:pic>
+        <p:nvPicPr>
+          <p:cNvPr id="17" name="Picture 16">
+            <a:extLst>
+              <a:ext uri="{FF2B5EF4-FFF2-40B4-BE49-F238E27FC236}">
+                <a16:creationId xmlns:a16="http://schemas.microsoft.com/office/drawing/2014/main" id="{19503F9F-AA6C-9C3E-57E4-3B40CD217C8A}"/>
+              </a:ext>
+            </a:extLst>
+          </p:cNvPr>
+          <p:cNvPicPr>
+            <a:picLocks noChangeAspect="1"/>
+          </p:cNvPicPr>
+          <p:nvPr/>
+        </p:nvPicPr>
+        <p:blipFill>
           <a:blip r:embed="rId4"/>
           <a:stretch>
             <a:fillRect/>
@@ -5666,8 +6229,8 @@
         </p:blipFill>
         <p:spPr>
           <a:xfrm>
-            <a:off x="5683932" y="978408"/>
-            <a:ext cx="1991549" cy="2349477"/>
+            <a:off x="8090212" y="1983185"/>
+            <a:ext cx="3366862" cy="3366862"/>
           </a:xfrm>
           <a:prstGeom prst="rect">
             <a:avLst/>

--- a/Group-Project-1.pptx
+++ b/Group-Project-1.pptx
@@ -147,7 +147,7 @@
   <pc:docChgLst>
     <pc:chgData name="Jesus Guerrero" userId="491912c3aa4fa2a1" providerId="LiveId" clId="{768EA364-A5D1-400D-9F32-56A2EEB862E3}"/>
     <pc:docChg chg="undo custSel addSld modSld sldOrd modSection">
-      <pc:chgData name="Jesus Guerrero" userId="491912c3aa4fa2a1" providerId="LiveId" clId="{768EA364-A5D1-400D-9F32-56A2EEB862E3}" dt="2025-10-23T02:47:15.638" v="419" actId="1076"/>
+      <pc:chgData name="Jesus Guerrero" userId="491912c3aa4fa2a1" providerId="LiveId" clId="{768EA364-A5D1-400D-9F32-56A2EEB862E3}" dt="2025-10-23T03:01:15.266" v="431" actId="478"/>
       <pc:docMkLst>
         <pc:docMk/>
       </pc:docMkLst>
@@ -230,14 +230,29 @@
           </ac:picMkLst>
         </pc:picChg>
       </pc:sldChg>
+      <pc:sldChg chg="modSp mod">
+        <pc:chgData name="Jesus Guerrero" userId="491912c3aa4fa2a1" providerId="LiveId" clId="{768EA364-A5D1-400D-9F32-56A2EEB862E3}" dt="2025-10-23T02:59:55.292" v="429" actId="1076"/>
+        <pc:sldMkLst>
+          <pc:docMk/>
+          <pc:sldMk cId="2015522951" sldId="260"/>
+        </pc:sldMkLst>
+        <pc:picChg chg="mod modCrop">
+          <ac:chgData name="Jesus Guerrero" userId="491912c3aa4fa2a1" providerId="LiveId" clId="{768EA364-A5D1-400D-9F32-56A2EEB862E3}" dt="2025-10-23T02:59:55.292" v="429" actId="1076"/>
+          <ac:picMkLst>
+            <pc:docMk/>
+            <pc:sldMk cId="2015522951" sldId="260"/>
+            <ac:picMk id="8" creationId="{A17E17C4-5662-FE6C-9AD8-1D3E845B2BAE}"/>
+          </ac:picMkLst>
+        </pc:picChg>
+      </pc:sldChg>
       <pc:sldChg chg="addSp delSp modSp mod">
-        <pc:chgData name="Jesus Guerrero" userId="491912c3aa4fa2a1" providerId="LiveId" clId="{768EA364-A5D1-400D-9F32-56A2EEB862E3}" dt="2025-10-23T02:37:04.298" v="385" actId="1076"/>
+        <pc:chgData name="Jesus Guerrero" userId="491912c3aa4fa2a1" providerId="LiveId" clId="{768EA364-A5D1-400D-9F32-56A2EEB862E3}" dt="2025-10-23T03:01:15.266" v="431" actId="478"/>
         <pc:sldMkLst>
           <pc:docMk/>
           <pc:sldMk cId="777690836" sldId="263"/>
         </pc:sldMkLst>
-        <pc:spChg chg="add mod">
-          <ac:chgData name="Jesus Guerrero" userId="491912c3aa4fa2a1" providerId="LiveId" clId="{768EA364-A5D1-400D-9F32-56A2EEB862E3}" dt="2025-10-23T02:32:53.091" v="323" actId="478"/>
+        <pc:spChg chg="add del mod">
+          <ac:chgData name="Jesus Guerrero" userId="491912c3aa4fa2a1" providerId="LiveId" clId="{768EA364-A5D1-400D-9F32-56A2EEB862E3}" dt="2025-10-23T03:01:15.266" v="431" actId="478"/>
           <ac:spMkLst>
             <pc:docMk/>
             <pc:sldMk cId="777690836" sldId="263"/>
@@ -274,6 +289,21 @@
             <pc:docMk/>
             <pc:sldMk cId="777690836" sldId="263"/>
             <ac:picMk id="17" creationId="{19503F9F-AA6C-9C3E-57E4-3B40CD217C8A}"/>
+          </ac:picMkLst>
+        </pc:picChg>
+      </pc:sldChg>
+      <pc:sldChg chg="modSp mod">
+        <pc:chgData name="Jesus Guerrero" userId="491912c3aa4fa2a1" providerId="LiveId" clId="{768EA364-A5D1-400D-9F32-56A2EEB862E3}" dt="2025-10-23T02:59:25.020" v="424" actId="732"/>
+        <pc:sldMkLst>
+          <pc:docMk/>
+          <pc:sldMk cId="3287747483" sldId="264"/>
+        </pc:sldMkLst>
+        <pc:picChg chg="mod modCrop">
+          <ac:chgData name="Jesus Guerrero" userId="491912c3aa4fa2a1" providerId="LiveId" clId="{768EA364-A5D1-400D-9F32-56A2EEB862E3}" dt="2025-10-23T02:59:25.020" v="424" actId="732"/>
+          <ac:picMkLst>
+            <pc:docMk/>
+            <pc:sldMk cId="3287747483" sldId="264"/>
+            <ac:picMk id="11" creationId="{7EE41C30-57FA-605B-6A53-FD596A51C070}"/>
           </ac:picMkLst>
         </pc:picChg>
       </pc:sldChg>
@@ -5512,12 +5542,17 @@
               </a:ext>
             </a:extLst>
           </a:blip>
-          <a:srcRect l="12749" r="12749"/>
+          <a:srcRect l="360" r="-1612" b="-2"/>
           <a:stretch>
             <a:fillRect/>
           </a:stretch>
         </p:blipFill>
-        <p:spPr/>
+        <p:spPr>
+          <a:xfrm>
+            <a:off x="4649506" y="987424"/>
+            <a:ext cx="7021286" cy="5358512"/>
+          </a:xfrm>
+        </p:spPr>
       </p:pic>
       <p:sp>
         <p:nvSpPr>
@@ -5626,12 +5661,17 @@
               </a:ext>
             </a:extLst>
           </a:blip>
-          <a:srcRect l="4745" r="4745"/>
+          <a:srcRect l="-8" t="-167" r="-114" b="1208"/>
           <a:stretch>
             <a:fillRect/>
           </a:stretch>
         </p:blipFill>
-        <p:spPr/>
+        <p:spPr>
+          <a:xfrm>
+            <a:off x="6248400" y="978408"/>
+            <a:ext cx="5715000" cy="5302649"/>
+          </a:xfrm>
+        </p:spPr>
       </p:pic>
     </p:spTree>
     <p:extLst>
@@ -6182,31 +6222,6 @@
           </a:prstGeom>
         </p:spPr>
       </p:pic>
-      <p:sp>
-        <p:nvSpPr>
-          <p:cNvPr id="15" name="Picture Placeholder 14">
-            <a:extLst>
-              <a:ext uri="{FF2B5EF4-FFF2-40B4-BE49-F238E27FC236}">
-                <a16:creationId xmlns:a16="http://schemas.microsoft.com/office/drawing/2014/main" id="{DCDC2C26-F884-BB3A-2377-1FFDC09BCD4B}"/>
-              </a:ext>
-            </a:extLst>
-          </p:cNvPr>
-          <p:cNvSpPr>
-            <a:spLocks noGrp="1"/>
-          </p:cNvSpPr>
-          <p:nvPr>
-            <p:ph type="pic" idx="1"/>
-          </p:nvPr>
-        </p:nvSpPr>
-        <p:spPr/>
-        <p:txBody>
-          <a:bodyPr/>
-          <a:lstStyle/>
-          <a:p>
-            <a:endParaRPr lang="en-US"/>
-          </a:p>
-        </p:txBody>
-      </p:sp>
       <p:pic>
         <p:nvPicPr>
           <p:cNvPr id="17" name="Picture 16">
